--- a/docker/Docker.pptx
+++ b/docker/Docker.pptx
@@ -4,20 +4,26 @@
   <p:sldMasterIdLst>
     <p:sldMasterId id="2147483648" r:id="rId1"/>
   </p:sldMasterIdLst>
+  <p:notesMasterIdLst>
+    <p:notesMasterId r:id="rId18"/>
+  </p:notesMasterIdLst>
   <p:sldIdLst>
     <p:sldId id="257" r:id="rId2"/>
     <p:sldId id="266" r:id="rId3"/>
     <p:sldId id="258" r:id="rId4"/>
     <p:sldId id="259" r:id="rId5"/>
-    <p:sldId id="260" r:id="rId6"/>
-    <p:sldId id="261" r:id="rId7"/>
-    <p:sldId id="265" r:id="rId8"/>
-    <p:sldId id="264" r:id="rId9"/>
-    <p:sldId id="267" r:id="rId10"/>
-    <p:sldId id="269" r:id="rId11"/>
-    <p:sldId id="268" r:id="rId12"/>
-    <p:sldId id="262" r:id="rId13"/>
-    <p:sldId id="263" r:id="rId14"/>
+    <p:sldId id="261" r:id="rId6"/>
+    <p:sldId id="260" r:id="rId7"/>
+    <p:sldId id="270" r:id="rId8"/>
+    <p:sldId id="265" r:id="rId9"/>
+    <p:sldId id="264" r:id="rId10"/>
+    <p:sldId id="267" r:id="rId11"/>
+    <p:sldId id="269" r:id="rId12"/>
+    <p:sldId id="268" r:id="rId13"/>
+    <p:sldId id="262" r:id="rId14"/>
+    <p:sldId id="272" r:id="rId15"/>
+    <p:sldId id="263" r:id="rId16"/>
+    <p:sldId id="271" r:id="rId17"/>
   </p:sldIdLst>
   <p:sldSz cx="9144000" cy="6858000" type="screen4x3"/>
   <p:notesSz cx="6858000" cy="9144000"/>
@@ -135,6 +141,440 @@
 </p:presentation>
 </file>
 
+<file path=ppt/notesMasters/notesMaster1.xml><?xml version="1.0" encoding="utf-8"?>
+<p:notesMaster xmlns:a="http://schemas.openxmlformats.org/drawingml/2006/main" xmlns:r="http://schemas.openxmlformats.org/officeDocument/2006/relationships" xmlns:p="http://schemas.openxmlformats.org/presentationml/2006/main">
+  <p:cSld>
+    <p:bg>
+      <p:bgRef idx="1001">
+        <a:schemeClr val="bg1"/>
+      </p:bgRef>
+    </p:bg>
+    <p:spTree>
+      <p:nvGrpSpPr>
+        <p:cNvPr id="1" name=""/>
+        <p:cNvGrpSpPr/>
+        <p:nvPr/>
+      </p:nvGrpSpPr>
+      <p:grpSpPr>
+        <a:xfrm>
+          <a:off x="0" y="0"/>
+          <a:ext cx="0" cy="0"/>
+          <a:chOff x="0" y="0"/>
+          <a:chExt cx="0" cy="0"/>
+        </a:xfrm>
+      </p:grpSpPr>
+      <p:sp>
+        <p:nvSpPr>
+          <p:cNvPr id="2" name="Header Placeholder 1"/>
+          <p:cNvSpPr>
+            <a:spLocks noGrp="1"/>
+          </p:cNvSpPr>
+          <p:nvPr>
+            <p:ph type="hdr" sz="quarter"/>
+          </p:nvPr>
+        </p:nvSpPr>
+        <p:spPr>
+          <a:xfrm>
+            <a:off x="0" y="0"/>
+            <a:ext cx="2971800" cy="458788"/>
+          </a:xfrm>
+          <a:prstGeom prst="rect">
+            <a:avLst/>
+          </a:prstGeom>
+        </p:spPr>
+        <p:txBody>
+          <a:bodyPr vert="horz" lIns="91440" tIns="45720" rIns="91440" bIns="45720" rtlCol="0"/>
+          <a:lstStyle>
+            <a:lvl1pPr algn="l">
+              <a:defRPr sz="1200"/>
+            </a:lvl1pPr>
+          </a:lstStyle>
+          <a:p>
+            <a:endParaRPr lang="en-US"/>
+          </a:p>
+        </p:txBody>
+      </p:sp>
+      <p:sp>
+        <p:nvSpPr>
+          <p:cNvPr id="3" name="Date Placeholder 2"/>
+          <p:cNvSpPr>
+            <a:spLocks noGrp="1"/>
+          </p:cNvSpPr>
+          <p:nvPr>
+            <p:ph type="dt" idx="1"/>
+          </p:nvPr>
+        </p:nvSpPr>
+        <p:spPr>
+          <a:xfrm>
+            <a:off x="3884613" y="0"/>
+            <a:ext cx="2971800" cy="458788"/>
+          </a:xfrm>
+          <a:prstGeom prst="rect">
+            <a:avLst/>
+          </a:prstGeom>
+        </p:spPr>
+        <p:txBody>
+          <a:bodyPr vert="horz" lIns="91440" tIns="45720" rIns="91440" bIns="45720" rtlCol="0"/>
+          <a:lstStyle>
+            <a:lvl1pPr algn="r">
+              <a:defRPr sz="1200"/>
+            </a:lvl1pPr>
+          </a:lstStyle>
+          <a:p>
+            <a:fld id="{FA77AD26-C6D5-4A4A-9176-95537056968E}" type="datetimeFigureOut">
+              <a:rPr lang="en-US" smtClean="0"/>
+              <a:t>9/26/2018</a:t>
+            </a:fld>
+            <a:endParaRPr lang="en-US"/>
+          </a:p>
+        </p:txBody>
+      </p:sp>
+      <p:sp>
+        <p:nvSpPr>
+          <p:cNvPr id="4" name="Slide Image Placeholder 3"/>
+          <p:cNvSpPr>
+            <a:spLocks noGrp="1" noRot="1" noChangeAspect="1"/>
+          </p:cNvSpPr>
+          <p:nvPr>
+            <p:ph type="sldImg" idx="2"/>
+          </p:nvPr>
+        </p:nvSpPr>
+        <p:spPr>
+          <a:xfrm>
+            <a:off x="1371600" y="1143000"/>
+            <a:ext cx="4114800" cy="3086100"/>
+          </a:xfrm>
+          <a:prstGeom prst="rect">
+            <a:avLst/>
+          </a:prstGeom>
+          <a:noFill/>
+          <a:ln w="12700">
+            <a:solidFill>
+              <a:prstClr val="black"/>
+            </a:solidFill>
+          </a:ln>
+        </p:spPr>
+        <p:txBody>
+          <a:bodyPr vert="horz" lIns="91440" tIns="45720" rIns="91440" bIns="45720" rtlCol="0" anchor="ctr"/>
+          <a:lstStyle/>
+          <a:p>
+            <a:endParaRPr lang="en-US"/>
+          </a:p>
+        </p:txBody>
+      </p:sp>
+      <p:sp>
+        <p:nvSpPr>
+          <p:cNvPr id="5" name="Notes Placeholder 4"/>
+          <p:cNvSpPr>
+            <a:spLocks noGrp="1"/>
+          </p:cNvSpPr>
+          <p:nvPr>
+            <p:ph type="body" sz="quarter" idx="3"/>
+          </p:nvPr>
+        </p:nvSpPr>
+        <p:spPr>
+          <a:xfrm>
+            <a:off x="685800" y="4400550"/>
+            <a:ext cx="5486400" cy="3600450"/>
+          </a:xfrm>
+          <a:prstGeom prst="rect">
+            <a:avLst/>
+          </a:prstGeom>
+        </p:spPr>
+        <p:txBody>
+          <a:bodyPr vert="horz" lIns="91440" tIns="45720" rIns="91440" bIns="45720" rtlCol="0"/>
+          <a:lstStyle/>
+          <a:p>
+            <a:pPr lvl="0"/>
+            <a:r>
+              <a:rPr lang="en-US" smtClean="0"/>
+              <a:t>Edit Master text styles</a:t>
+            </a:r>
+          </a:p>
+          <a:p>
+            <a:pPr lvl="1"/>
+            <a:r>
+              <a:rPr lang="en-US" smtClean="0"/>
+              <a:t>Second level</a:t>
+            </a:r>
+          </a:p>
+          <a:p>
+            <a:pPr lvl="2"/>
+            <a:r>
+              <a:rPr lang="en-US" smtClean="0"/>
+              <a:t>Third level</a:t>
+            </a:r>
+          </a:p>
+          <a:p>
+            <a:pPr lvl="3"/>
+            <a:r>
+              <a:rPr lang="en-US" smtClean="0"/>
+              <a:t>Fourth level</a:t>
+            </a:r>
+          </a:p>
+          <a:p>
+            <a:pPr lvl="4"/>
+            <a:r>
+              <a:rPr lang="en-US" smtClean="0"/>
+              <a:t>Fifth level</a:t>
+            </a:r>
+            <a:endParaRPr lang="en-US"/>
+          </a:p>
+        </p:txBody>
+      </p:sp>
+      <p:sp>
+        <p:nvSpPr>
+          <p:cNvPr id="6" name="Footer Placeholder 5"/>
+          <p:cNvSpPr>
+            <a:spLocks noGrp="1"/>
+          </p:cNvSpPr>
+          <p:nvPr>
+            <p:ph type="ftr" sz="quarter" idx="4"/>
+          </p:nvPr>
+        </p:nvSpPr>
+        <p:spPr>
+          <a:xfrm>
+            <a:off x="0" y="8685213"/>
+            <a:ext cx="2971800" cy="458787"/>
+          </a:xfrm>
+          <a:prstGeom prst="rect">
+            <a:avLst/>
+          </a:prstGeom>
+        </p:spPr>
+        <p:txBody>
+          <a:bodyPr vert="horz" lIns="91440" tIns="45720" rIns="91440" bIns="45720" rtlCol="0" anchor="b"/>
+          <a:lstStyle>
+            <a:lvl1pPr algn="l">
+              <a:defRPr sz="1200"/>
+            </a:lvl1pPr>
+          </a:lstStyle>
+          <a:p>
+            <a:endParaRPr lang="en-US"/>
+          </a:p>
+        </p:txBody>
+      </p:sp>
+      <p:sp>
+        <p:nvSpPr>
+          <p:cNvPr id="7" name="Slide Number Placeholder 6"/>
+          <p:cNvSpPr>
+            <a:spLocks noGrp="1"/>
+          </p:cNvSpPr>
+          <p:nvPr>
+            <p:ph type="sldNum" sz="quarter" idx="5"/>
+          </p:nvPr>
+        </p:nvSpPr>
+        <p:spPr>
+          <a:xfrm>
+            <a:off x="3884613" y="8685213"/>
+            <a:ext cx="2971800" cy="458787"/>
+          </a:xfrm>
+          <a:prstGeom prst="rect">
+            <a:avLst/>
+          </a:prstGeom>
+        </p:spPr>
+        <p:txBody>
+          <a:bodyPr vert="horz" lIns="91440" tIns="45720" rIns="91440" bIns="45720" rtlCol="0" anchor="b"/>
+          <a:lstStyle>
+            <a:lvl1pPr algn="r">
+              <a:defRPr sz="1200"/>
+            </a:lvl1pPr>
+          </a:lstStyle>
+          <a:p>
+            <a:fld id="{692F37A7-8B95-483A-88E3-FF47346966B2}" type="slidenum">
+              <a:rPr lang="en-US" smtClean="0"/>
+              <a:t>‹#›</a:t>
+            </a:fld>
+            <a:endParaRPr lang="en-US"/>
+          </a:p>
+        </p:txBody>
+      </p:sp>
+    </p:spTree>
+    <p:extLst>
+      <p:ext uri="{BB962C8B-B14F-4D97-AF65-F5344CB8AC3E}">
+        <p14:creationId xmlns:p14="http://schemas.microsoft.com/office/powerpoint/2010/main" val="98735893"/>
+      </p:ext>
+    </p:extLst>
+  </p:cSld>
+  <p:clrMap bg1="lt1" tx1="dk1" bg2="lt2" tx2="dk2" accent1="accent1" accent2="accent2" accent3="accent3" accent4="accent4" accent5="accent5" accent6="accent6" hlink="hlink" folHlink="folHlink"/>
+  <p:notesStyle>
+    <a:lvl1pPr marL="0" algn="l" defTabSz="914400" rtl="0" eaLnBrk="1" latinLnBrk="0" hangingPunct="1">
+      <a:defRPr sz="1200" kern="1200">
+        <a:solidFill>
+          <a:schemeClr val="tx1"/>
+        </a:solidFill>
+        <a:latin typeface="+mn-lt"/>
+        <a:ea typeface="+mn-ea"/>
+        <a:cs typeface="+mn-cs"/>
+      </a:defRPr>
+    </a:lvl1pPr>
+    <a:lvl2pPr marL="457200" algn="l" defTabSz="914400" rtl="0" eaLnBrk="1" latinLnBrk="0" hangingPunct="1">
+      <a:defRPr sz="1200" kern="1200">
+        <a:solidFill>
+          <a:schemeClr val="tx1"/>
+        </a:solidFill>
+        <a:latin typeface="+mn-lt"/>
+        <a:ea typeface="+mn-ea"/>
+        <a:cs typeface="+mn-cs"/>
+      </a:defRPr>
+    </a:lvl2pPr>
+    <a:lvl3pPr marL="914400" algn="l" defTabSz="914400" rtl="0" eaLnBrk="1" latinLnBrk="0" hangingPunct="1">
+      <a:defRPr sz="1200" kern="1200">
+        <a:solidFill>
+          <a:schemeClr val="tx1"/>
+        </a:solidFill>
+        <a:latin typeface="+mn-lt"/>
+        <a:ea typeface="+mn-ea"/>
+        <a:cs typeface="+mn-cs"/>
+      </a:defRPr>
+    </a:lvl3pPr>
+    <a:lvl4pPr marL="1371600" algn="l" defTabSz="914400" rtl="0" eaLnBrk="1" latinLnBrk="0" hangingPunct="1">
+      <a:defRPr sz="1200" kern="1200">
+        <a:solidFill>
+          <a:schemeClr val="tx1"/>
+        </a:solidFill>
+        <a:latin typeface="+mn-lt"/>
+        <a:ea typeface="+mn-ea"/>
+        <a:cs typeface="+mn-cs"/>
+      </a:defRPr>
+    </a:lvl4pPr>
+    <a:lvl5pPr marL="1828800" algn="l" defTabSz="914400" rtl="0" eaLnBrk="1" latinLnBrk="0" hangingPunct="1">
+      <a:defRPr sz="1200" kern="1200">
+        <a:solidFill>
+          <a:schemeClr val="tx1"/>
+        </a:solidFill>
+        <a:latin typeface="+mn-lt"/>
+        <a:ea typeface="+mn-ea"/>
+        <a:cs typeface="+mn-cs"/>
+      </a:defRPr>
+    </a:lvl5pPr>
+    <a:lvl6pPr marL="2286000" algn="l" defTabSz="914400" rtl="0" eaLnBrk="1" latinLnBrk="0" hangingPunct="1">
+      <a:defRPr sz="1200" kern="1200">
+        <a:solidFill>
+          <a:schemeClr val="tx1"/>
+        </a:solidFill>
+        <a:latin typeface="+mn-lt"/>
+        <a:ea typeface="+mn-ea"/>
+        <a:cs typeface="+mn-cs"/>
+      </a:defRPr>
+    </a:lvl6pPr>
+    <a:lvl7pPr marL="2743200" algn="l" defTabSz="914400" rtl="0" eaLnBrk="1" latinLnBrk="0" hangingPunct="1">
+      <a:defRPr sz="1200" kern="1200">
+        <a:solidFill>
+          <a:schemeClr val="tx1"/>
+        </a:solidFill>
+        <a:latin typeface="+mn-lt"/>
+        <a:ea typeface="+mn-ea"/>
+        <a:cs typeface="+mn-cs"/>
+      </a:defRPr>
+    </a:lvl7pPr>
+    <a:lvl8pPr marL="3200400" algn="l" defTabSz="914400" rtl="0" eaLnBrk="1" latinLnBrk="0" hangingPunct="1">
+      <a:defRPr sz="1200" kern="1200">
+        <a:solidFill>
+          <a:schemeClr val="tx1"/>
+        </a:solidFill>
+        <a:latin typeface="+mn-lt"/>
+        <a:ea typeface="+mn-ea"/>
+        <a:cs typeface="+mn-cs"/>
+      </a:defRPr>
+    </a:lvl8pPr>
+    <a:lvl9pPr marL="3657600" algn="l" defTabSz="914400" rtl="0" eaLnBrk="1" latinLnBrk="0" hangingPunct="1">
+      <a:defRPr sz="1200" kern="1200">
+        <a:solidFill>
+          <a:schemeClr val="tx1"/>
+        </a:solidFill>
+        <a:latin typeface="+mn-lt"/>
+        <a:ea typeface="+mn-ea"/>
+        <a:cs typeface="+mn-cs"/>
+      </a:defRPr>
+    </a:lvl9pPr>
+  </p:notesStyle>
+</p:notesMaster>
+</file>
+
+<file path=ppt/notesSlides/notesSlide1.xml><?xml version="1.0" encoding="utf-8"?>
+<p:notes xmlns:a="http://schemas.openxmlformats.org/drawingml/2006/main" xmlns:r="http://schemas.openxmlformats.org/officeDocument/2006/relationships" xmlns:p="http://schemas.openxmlformats.org/presentationml/2006/main">
+  <p:cSld>
+    <p:spTree>
+      <p:nvGrpSpPr>
+        <p:cNvPr id="1" name=""/>
+        <p:cNvGrpSpPr/>
+        <p:nvPr/>
+      </p:nvGrpSpPr>
+      <p:grpSpPr>
+        <a:xfrm>
+          <a:off x="0" y="0"/>
+          <a:ext cx="0" cy="0"/>
+          <a:chOff x="0" y="0"/>
+          <a:chExt cx="0" cy="0"/>
+        </a:xfrm>
+      </p:grpSpPr>
+      <p:sp>
+        <p:nvSpPr>
+          <p:cNvPr id="2" name="Slide Image Placeholder 1"/>
+          <p:cNvSpPr>
+            <a:spLocks noGrp="1" noRot="1" noChangeAspect="1"/>
+          </p:cNvSpPr>
+          <p:nvPr>
+            <p:ph type="sldImg"/>
+          </p:nvPr>
+        </p:nvSpPr>
+        <p:spPr/>
+      </p:sp>
+      <p:sp>
+        <p:nvSpPr>
+          <p:cNvPr id="3" name="Notes Placeholder 2"/>
+          <p:cNvSpPr>
+            <a:spLocks noGrp="1"/>
+          </p:cNvSpPr>
+          <p:nvPr>
+            <p:ph type="body" idx="1"/>
+          </p:nvPr>
+        </p:nvSpPr>
+        <p:spPr/>
+        <p:txBody>
+          <a:bodyPr/>
+          <a:lstStyle/>
+          <a:p>
+            <a:endParaRPr lang="en-US" dirty="0"/>
+          </a:p>
+        </p:txBody>
+      </p:sp>
+      <p:sp>
+        <p:nvSpPr>
+          <p:cNvPr id="4" name="Slide Number Placeholder 3"/>
+          <p:cNvSpPr>
+            <a:spLocks noGrp="1"/>
+          </p:cNvSpPr>
+          <p:nvPr>
+            <p:ph type="sldNum" sz="quarter" idx="10"/>
+          </p:nvPr>
+        </p:nvSpPr>
+        <p:spPr/>
+        <p:txBody>
+          <a:bodyPr/>
+          <a:lstStyle/>
+          <a:p>
+            <a:fld id="{692F37A7-8B95-483A-88E3-FF47346966B2}" type="slidenum">
+              <a:rPr lang="en-US" smtClean="0"/>
+              <a:t>4</a:t>
+            </a:fld>
+            <a:endParaRPr lang="en-US"/>
+          </a:p>
+        </p:txBody>
+      </p:sp>
+    </p:spTree>
+    <p:extLst>
+      <p:ext uri="{BB962C8B-B14F-4D97-AF65-F5344CB8AC3E}">
+        <p14:creationId xmlns:p14="http://schemas.microsoft.com/office/powerpoint/2010/main" val="404408353"/>
+      </p:ext>
+    </p:extLst>
+  </p:cSld>
+  <p:clrMapOvr>
+    <a:masterClrMapping/>
+  </p:clrMapOvr>
+</p:notes>
+</file>
+
 <file path=ppt/slideLayouts/slideLayout1.xml><?xml version="1.0" encoding="utf-8"?>
 <p:sldLayout xmlns:a="http://schemas.openxmlformats.org/drawingml/2006/main" xmlns:r="http://schemas.openxmlformats.org/officeDocument/2006/relationships" xmlns:p="http://schemas.openxmlformats.org/presentationml/2006/main" type="title" preserve="1">
   <p:cSld name="Title Slide">
@@ -316,7 +756,7 @@
           <a:p>
             <a:fld id="{901C9FEE-057E-4068-9298-9299AABF3381}" type="datetimeFigureOut">
               <a:rPr lang="en-US" smtClean="0"/>
-              <a:t>9/21/2018</a:t>
+              <a:t>9/26/2018</a:t>
             </a:fld>
             <a:endParaRPr lang="en-US" dirty="0"/>
           </a:p>
@@ -486,7 +926,7 @@
           <a:p>
             <a:fld id="{901C9FEE-057E-4068-9298-9299AABF3381}" type="datetimeFigureOut">
               <a:rPr lang="en-US" smtClean="0"/>
-              <a:t>9/21/2018</a:t>
+              <a:t>9/26/2018</a:t>
             </a:fld>
             <a:endParaRPr lang="en-US" dirty="0"/>
           </a:p>
@@ -666,7 +1106,7 @@
           <a:p>
             <a:fld id="{901C9FEE-057E-4068-9298-9299AABF3381}" type="datetimeFigureOut">
               <a:rPr lang="en-US" smtClean="0"/>
-              <a:t>9/21/2018</a:t>
+              <a:t>9/26/2018</a:t>
             </a:fld>
             <a:endParaRPr lang="en-US" dirty="0"/>
           </a:p>
@@ -836,7 +1276,7 @@
           <a:p>
             <a:fld id="{901C9FEE-057E-4068-9298-9299AABF3381}" type="datetimeFigureOut">
               <a:rPr lang="en-US" smtClean="0"/>
-              <a:t>9/21/2018</a:t>
+              <a:t>9/26/2018</a:t>
             </a:fld>
             <a:endParaRPr lang="en-US" dirty="0"/>
           </a:p>
@@ -1082,7 +1522,7 @@
           <a:p>
             <a:fld id="{901C9FEE-057E-4068-9298-9299AABF3381}" type="datetimeFigureOut">
               <a:rPr lang="en-US" smtClean="0"/>
-              <a:t>9/21/2018</a:t>
+              <a:t>9/26/2018</a:t>
             </a:fld>
             <a:endParaRPr lang="en-US" dirty="0"/>
           </a:p>
@@ -1370,7 +1810,7 @@
           <a:p>
             <a:fld id="{901C9FEE-057E-4068-9298-9299AABF3381}" type="datetimeFigureOut">
               <a:rPr lang="en-US" smtClean="0"/>
-              <a:t>9/21/2018</a:t>
+              <a:t>9/26/2018</a:t>
             </a:fld>
             <a:endParaRPr lang="en-US" dirty="0"/>
           </a:p>
@@ -1792,7 +2232,7 @@
           <a:p>
             <a:fld id="{901C9FEE-057E-4068-9298-9299AABF3381}" type="datetimeFigureOut">
               <a:rPr lang="en-US" smtClean="0"/>
-              <a:t>9/21/2018</a:t>
+              <a:t>9/26/2018</a:t>
             </a:fld>
             <a:endParaRPr lang="en-US" dirty="0"/>
           </a:p>
@@ -1910,7 +2350,7 @@
           <a:p>
             <a:fld id="{901C9FEE-057E-4068-9298-9299AABF3381}" type="datetimeFigureOut">
               <a:rPr lang="en-US" smtClean="0"/>
-              <a:t>9/21/2018</a:t>
+              <a:t>9/26/2018</a:t>
             </a:fld>
             <a:endParaRPr lang="en-US" dirty="0"/>
           </a:p>
@@ -2005,7 +2445,7 @@
           <a:p>
             <a:fld id="{901C9FEE-057E-4068-9298-9299AABF3381}" type="datetimeFigureOut">
               <a:rPr lang="en-US" smtClean="0"/>
-              <a:t>9/21/2018</a:t>
+              <a:t>9/26/2018</a:t>
             </a:fld>
             <a:endParaRPr lang="en-US" dirty="0"/>
           </a:p>
@@ -2282,7 +2722,7 @@
           <a:p>
             <a:fld id="{901C9FEE-057E-4068-9298-9299AABF3381}" type="datetimeFigureOut">
               <a:rPr lang="en-US" smtClean="0"/>
-              <a:t>9/21/2018</a:t>
+              <a:t>9/26/2018</a:t>
             </a:fld>
             <a:endParaRPr lang="en-US" dirty="0"/>
           </a:p>
@@ -2539,7 +2979,7 @@
           <a:p>
             <a:fld id="{901C9FEE-057E-4068-9298-9299AABF3381}" type="datetimeFigureOut">
               <a:rPr lang="en-US" smtClean="0"/>
-              <a:t>9/21/2018</a:t>
+              <a:t>9/26/2018</a:t>
             </a:fld>
             <a:endParaRPr lang="en-US" dirty="0"/>
           </a:p>
@@ -2752,7 +3192,7 @@
           <a:p>
             <a:fld id="{901C9FEE-057E-4068-9298-9299AABF3381}" type="datetimeFigureOut">
               <a:rPr lang="en-US" smtClean="0"/>
-              <a:t>9/21/2018</a:t>
+              <a:t>9/26/2018</a:t>
             </a:fld>
             <a:endParaRPr lang="en-US" dirty="0"/>
           </a:p>
@@ -3258,7 +3698,7 @@
           <a:p>
             <a:r>
               <a:rPr lang="pt-BR" dirty="0" smtClean="0"/>
-              <a:t>Docker Hub</a:t>
+              <a:t>Openshift</a:t>
             </a:r>
             <a:endParaRPr lang="en-US" dirty="0"/>
           </a:p>
@@ -3286,7 +3726,7 @@
     </p:spTree>
     <p:extLst>
       <p:ext uri="{BB962C8B-B14F-4D97-AF65-F5344CB8AC3E}">
-        <p14:creationId xmlns:p14="http://schemas.microsoft.com/office/powerpoint/2010/main" val="2563480488"/>
+        <p14:creationId xmlns:p14="http://schemas.microsoft.com/office/powerpoint/2010/main" val="383327130"/>
       </p:ext>
     </p:extLst>
   </p:cSld>
@@ -3330,7 +3770,7 @@
           <a:p>
             <a:r>
               <a:rPr lang="pt-BR" dirty="0" smtClean="0"/>
-              <a:t>Kitematic</a:t>
+              <a:t>Docker Hub</a:t>
             </a:r>
             <a:endParaRPr lang="en-US" dirty="0"/>
           </a:p>
@@ -3358,7 +3798,7 @@
     </p:spTree>
     <p:extLst>
       <p:ext uri="{BB962C8B-B14F-4D97-AF65-F5344CB8AC3E}">
-        <p14:creationId xmlns:p14="http://schemas.microsoft.com/office/powerpoint/2010/main" val="2813219528"/>
+        <p14:creationId xmlns:p14="http://schemas.microsoft.com/office/powerpoint/2010/main" val="2563480488"/>
       </p:ext>
     </p:extLst>
   </p:cSld>
@@ -3402,6 +3842,85 @@
           <a:p>
             <a:r>
               <a:rPr lang="pt-BR" dirty="0" smtClean="0"/>
+              <a:t>Kitematic</a:t>
+            </a:r>
+            <a:endParaRPr lang="en-US" dirty="0"/>
+          </a:p>
+        </p:txBody>
+      </p:sp>
+      <p:sp>
+        <p:nvSpPr>
+          <p:cNvPr id="3" name="Content Placeholder 2"/>
+          <p:cNvSpPr>
+            <a:spLocks noGrp="1"/>
+          </p:cNvSpPr>
+          <p:nvPr>
+            <p:ph idx="1"/>
+          </p:nvPr>
+        </p:nvSpPr>
+        <p:spPr/>
+        <p:txBody>
+          <a:bodyPr/>
+          <a:lstStyle/>
+          <a:p>
+            <a:endParaRPr lang="en-US" dirty="0"/>
+          </a:p>
+        </p:txBody>
+      </p:sp>
+    </p:spTree>
+    <p:extLst>
+      <p:ext uri="{BB962C8B-B14F-4D97-AF65-F5344CB8AC3E}">
+        <p14:creationId xmlns:p14="http://schemas.microsoft.com/office/powerpoint/2010/main" val="2813219528"/>
+      </p:ext>
+    </p:extLst>
+  </p:cSld>
+  <p:clrMapOvr>
+    <a:masterClrMapping/>
+  </p:clrMapOvr>
+  <p:timing>
+    <p:tnLst>
+      <p:par>
+        <p:cTn id="1" dur="indefinite" restart="never" nodeType="tmRoot"/>
+      </p:par>
+    </p:tnLst>
+  </p:timing>
+</p:sld>
+</file>
+
+<file path=ppt/slides/slide13.xml><?xml version="1.0" encoding="utf-8"?>
+<p:sld xmlns:a="http://schemas.openxmlformats.org/drawingml/2006/main" xmlns:r="http://schemas.openxmlformats.org/officeDocument/2006/relationships" xmlns:p="http://schemas.openxmlformats.org/presentationml/2006/main">
+  <p:cSld>
+    <p:spTree>
+      <p:nvGrpSpPr>
+        <p:cNvPr id="1" name=""/>
+        <p:cNvGrpSpPr/>
+        <p:nvPr/>
+      </p:nvGrpSpPr>
+      <p:grpSpPr>
+        <a:xfrm>
+          <a:off x="0" y="0"/>
+          <a:ext cx="0" cy="0"/>
+          <a:chOff x="0" y="0"/>
+          <a:chExt cx="0" cy="0"/>
+        </a:xfrm>
+      </p:grpSpPr>
+      <p:sp>
+        <p:nvSpPr>
+          <p:cNvPr id="2" name="Title 1"/>
+          <p:cNvSpPr>
+            <a:spLocks noGrp="1"/>
+          </p:cNvSpPr>
+          <p:nvPr>
+            <p:ph type="title"/>
+          </p:nvPr>
+        </p:nvSpPr>
+        <p:spPr/>
+        <p:txBody>
+          <a:bodyPr/>
+          <a:lstStyle/>
+          <a:p>
+            <a:r>
+              <a:rPr lang="pt-BR" dirty="0" smtClean="0"/>
               <a:t>Exemplos</a:t>
             </a:r>
             <a:endParaRPr lang="en-US" dirty="0"/>
@@ -3440,7 +3959,165 @@
 </p:sld>
 </file>
 
-<file path=ppt/slides/slide13.xml><?xml version="1.0" encoding="utf-8"?>
+<file path=ppt/slides/slide14.xml><?xml version="1.0" encoding="utf-8"?>
+<p:sld xmlns:a="http://schemas.openxmlformats.org/drawingml/2006/main" xmlns:r="http://schemas.openxmlformats.org/officeDocument/2006/relationships" xmlns:p="http://schemas.openxmlformats.org/presentationml/2006/main">
+  <p:cSld>
+    <p:spTree>
+      <p:nvGrpSpPr>
+        <p:cNvPr id="1" name=""/>
+        <p:cNvGrpSpPr/>
+        <p:nvPr/>
+      </p:nvGrpSpPr>
+      <p:grpSpPr>
+        <a:xfrm>
+          <a:off x="0" y="0"/>
+          <a:ext cx="0" cy="0"/>
+          <a:chOff x="0" y="0"/>
+          <a:chExt cx="0" cy="0"/>
+        </a:xfrm>
+      </p:grpSpPr>
+      <p:sp>
+        <p:nvSpPr>
+          <p:cNvPr id="2" name="Title 1"/>
+          <p:cNvSpPr>
+            <a:spLocks noGrp="1"/>
+          </p:cNvSpPr>
+          <p:nvPr>
+            <p:ph type="title"/>
+          </p:nvPr>
+        </p:nvSpPr>
+        <p:spPr/>
+        <p:txBody>
+          <a:bodyPr/>
+          <a:lstStyle/>
+          <a:p>
+            <a:r>
+              <a:rPr lang="pt-BR" dirty="0" smtClean="0"/>
+              <a:t>No Citi</a:t>
+            </a:r>
+            <a:endParaRPr lang="en-US" dirty="0"/>
+          </a:p>
+        </p:txBody>
+      </p:sp>
+      <p:sp>
+        <p:nvSpPr>
+          <p:cNvPr id="3" name="Content Placeholder 2"/>
+          <p:cNvSpPr>
+            <a:spLocks noGrp="1"/>
+          </p:cNvSpPr>
+          <p:nvPr>
+            <p:ph idx="1"/>
+          </p:nvPr>
+        </p:nvSpPr>
+        <p:spPr/>
+        <p:txBody>
+          <a:bodyPr>
+            <a:normAutofit fontScale="47500" lnSpcReduction="20000"/>
+          </a:bodyPr>
+          <a:lstStyle/>
+          <a:p>
+            <a:r>
+              <a:rPr lang="pt-BR" dirty="0" smtClean="0"/>
+              <a:t>Citi PAAS</a:t>
+            </a:r>
+          </a:p>
+          <a:p>
+            <a:pPr marL="0" indent="0">
+              <a:buNone/>
+            </a:pPr>
+            <a:endParaRPr lang="en-US" dirty="0"/>
+          </a:p>
+          <a:p>
+            <a:r>
+              <a:rPr lang="en-US" b="1" dirty="0"/>
+              <a:t>APPLICATIONS ARE PACKAGED INTO CONTAINERS BY APPDEV AND DEPLOYED INTO THE PLATFORM (DOCKER) </a:t>
+            </a:r>
+            <a:endParaRPr lang="en-US" dirty="0"/>
+          </a:p>
+          <a:p>
+            <a:r>
+              <a:rPr lang="en-US" dirty="0"/>
+              <a:t>Containers enable portability across platforms, reducing vendor lock-in and allowing bursting to public cloud </a:t>
+            </a:r>
+            <a:endParaRPr lang="en-US" dirty="0" smtClean="0"/>
+          </a:p>
+          <a:p>
+            <a:endParaRPr lang="en-US" dirty="0"/>
+          </a:p>
+          <a:p>
+            <a:r>
+              <a:rPr lang="en-US" b="1" dirty="0"/>
+              <a:t>PLATFORM-AS-A-SERVICE (PAAS) SIMPLIFIES APPLICATION PROVISIONING AND MANAGEMENT (OPENSHIFT) 2 </a:t>
+            </a:r>
+            <a:endParaRPr lang="en-US" dirty="0"/>
+          </a:p>
+          <a:p>
+            <a:r>
+              <a:rPr lang="en-US" dirty="0" smtClean="0"/>
+              <a:t>PaaS </a:t>
+            </a:r>
+            <a:r>
+              <a:rPr lang="en-US" dirty="0"/>
+              <a:t>provides a set of supporting services (e.g. load balancers, network virtualization) and integrates with CI/CD pipeline </a:t>
+            </a:r>
+            <a:endParaRPr lang="en-US" dirty="0" smtClean="0"/>
+          </a:p>
+          <a:p>
+            <a:endParaRPr lang="en-US" dirty="0"/>
+          </a:p>
+          <a:p>
+            <a:r>
+              <a:rPr lang="en-US" b="1" dirty="0"/>
+              <a:t>CONTAINER ORCHESTRATION AUTOMATES APPLICATION PLACEMENT, MANAGEMENT AND SCALING (KUBERNETES) </a:t>
+            </a:r>
+            <a:endParaRPr lang="en-US" dirty="0"/>
+          </a:p>
+          <a:p>
+            <a:r>
+              <a:rPr lang="en-US" dirty="0" smtClean="0"/>
+              <a:t>Container </a:t>
+            </a:r>
+            <a:r>
+              <a:rPr lang="en-US" dirty="0"/>
+              <a:t>Orchestration layer manages application containers based on software-defined policies </a:t>
+            </a:r>
+          </a:p>
+          <a:p>
+            <a:r>
+              <a:rPr lang="en-US" dirty="0" smtClean="0"/>
+              <a:t>Makes </a:t>
+            </a:r>
+            <a:r>
+              <a:rPr lang="en-US" dirty="0"/>
+              <a:t>significant strides in resource sharing leading to greater utilization / lower costs </a:t>
+            </a:r>
+          </a:p>
+          <a:p>
+            <a:endParaRPr lang="en-US" dirty="0"/>
+          </a:p>
+        </p:txBody>
+      </p:sp>
+    </p:spTree>
+    <p:extLst>
+      <p:ext uri="{BB962C8B-B14F-4D97-AF65-F5344CB8AC3E}">
+        <p14:creationId xmlns:p14="http://schemas.microsoft.com/office/powerpoint/2010/main" val="793471140"/>
+      </p:ext>
+    </p:extLst>
+  </p:cSld>
+  <p:clrMapOvr>
+    <a:masterClrMapping/>
+  </p:clrMapOvr>
+  <p:timing>
+    <p:tnLst>
+      <p:par>
+        <p:cTn id="1" dur="indefinite" restart="never" nodeType="tmRoot"/>
+      </p:par>
+    </p:tnLst>
+  </p:timing>
+</p:sld>
+</file>
+
+<file path=ppt/slides/slide15.xml><?xml version="1.0" encoding="utf-8"?>
 <p:sld xmlns:a="http://schemas.openxmlformats.org/drawingml/2006/main" xmlns:r="http://schemas.openxmlformats.org/officeDocument/2006/relationships" xmlns:p="http://schemas.openxmlformats.org/presentationml/2006/main">
   <p:cSld>
     <p:spTree>
@@ -3516,6 +4193,92 @@
   <p:clrMapOvr>
     <a:masterClrMapping/>
   </p:clrMapOvr>
+  <p:timing>
+    <p:tnLst>
+      <p:par>
+        <p:cTn id="1" dur="indefinite" restart="never" nodeType="tmRoot"/>
+      </p:par>
+    </p:tnLst>
+  </p:timing>
+</p:sld>
+</file>
+
+<file path=ppt/slides/slide16.xml><?xml version="1.0" encoding="utf-8"?>
+<p:sld xmlns:a="http://schemas.openxmlformats.org/drawingml/2006/main" xmlns:r="http://schemas.openxmlformats.org/officeDocument/2006/relationships" xmlns:p="http://schemas.openxmlformats.org/presentationml/2006/main">
+  <p:cSld>
+    <p:spTree>
+      <p:nvGrpSpPr>
+        <p:cNvPr id="1" name=""/>
+        <p:cNvGrpSpPr/>
+        <p:nvPr/>
+      </p:nvGrpSpPr>
+      <p:grpSpPr>
+        <a:xfrm>
+          <a:off x="0" y="0"/>
+          <a:ext cx="0" cy="0"/>
+          <a:chOff x="0" y="0"/>
+          <a:chExt cx="0" cy="0"/>
+        </a:xfrm>
+      </p:grpSpPr>
+      <p:sp>
+        <p:nvSpPr>
+          <p:cNvPr id="2" name="Title 1"/>
+          <p:cNvSpPr>
+            <a:spLocks noGrp="1"/>
+          </p:cNvSpPr>
+          <p:nvPr>
+            <p:ph type="title"/>
+          </p:nvPr>
+        </p:nvSpPr>
+        <p:spPr/>
+        <p:txBody>
+          <a:bodyPr/>
+          <a:lstStyle/>
+          <a:p>
+            <a:r>
+              <a:rPr lang="pt-BR" dirty="0" smtClean="0"/>
+              <a:t>Q&amp;A</a:t>
+            </a:r>
+            <a:endParaRPr lang="en-US" dirty="0"/>
+          </a:p>
+        </p:txBody>
+      </p:sp>
+      <p:sp>
+        <p:nvSpPr>
+          <p:cNvPr id="3" name="Content Placeholder 2"/>
+          <p:cNvSpPr>
+            <a:spLocks noGrp="1"/>
+          </p:cNvSpPr>
+          <p:nvPr>
+            <p:ph idx="1"/>
+          </p:nvPr>
+        </p:nvSpPr>
+        <p:spPr/>
+        <p:txBody>
+          <a:bodyPr/>
+          <a:lstStyle/>
+          <a:p>
+            <a:endParaRPr lang="en-US"/>
+          </a:p>
+        </p:txBody>
+      </p:sp>
+    </p:spTree>
+    <p:extLst>
+      <p:ext uri="{BB962C8B-B14F-4D97-AF65-F5344CB8AC3E}">
+        <p14:creationId xmlns:p14="http://schemas.microsoft.com/office/powerpoint/2010/main" val="1095437353"/>
+      </p:ext>
+    </p:extLst>
+  </p:cSld>
+  <p:clrMapOvr>
+    <a:masterClrMapping/>
+  </p:clrMapOvr>
+  <p:timing>
+    <p:tnLst>
+      <p:par>
+        <p:cTn id="1" dur="indefinite" restart="never" nodeType="tmRoot"/>
+      </p:par>
+    </p:tnLst>
+  </p:timing>
 </p:sld>
 </file>
 
@@ -3663,7 +4426,6 @@
               <a:rPr lang="en-US" dirty="0"/>
               <a:t>algum tema.</a:t>
             </a:r>
-            <a:endParaRPr lang="en-US" dirty="0"/>
           </a:p>
         </p:txBody>
       </p:sp>
@@ -4253,6 +5015,52 @@
       </p:grpSpPr>
       <p:sp>
         <p:nvSpPr>
+          <p:cNvPr id="14" name="Rectangle 13"/>
+          <p:cNvSpPr/>
+          <p:nvPr/>
+        </p:nvSpPr>
+        <p:spPr>
+          <a:xfrm>
+            <a:off x="263468" y="2348829"/>
+            <a:ext cx="4248472" cy="3960440"/>
+          </a:xfrm>
+          <a:prstGeom prst="rect">
+            <a:avLst/>
+          </a:prstGeom>
+          <a:solidFill>
+            <a:schemeClr val="accent5">
+              <a:lumMod val="20000"/>
+              <a:lumOff val="80000"/>
+            </a:schemeClr>
+          </a:solidFill>
+        </p:spPr>
+        <p:style>
+          <a:lnRef idx="2">
+            <a:schemeClr val="accent1">
+              <a:shade val="50000"/>
+            </a:schemeClr>
+          </a:lnRef>
+          <a:fillRef idx="1">
+            <a:schemeClr val="accent1"/>
+          </a:fillRef>
+          <a:effectRef idx="0">
+            <a:schemeClr val="accent1"/>
+          </a:effectRef>
+          <a:fontRef idx="minor">
+            <a:schemeClr val="lt1"/>
+          </a:fontRef>
+        </p:style>
+        <p:txBody>
+          <a:bodyPr rtlCol="0" anchor="ctr"/>
+          <a:lstStyle/>
+          <a:p>
+            <a:pPr algn="ctr"/>
+            <a:endParaRPr lang="en-US"/>
+          </a:p>
+        </p:txBody>
+      </p:sp>
+      <p:sp>
+        <p:nvSpPr>
           <p:cNvPr id="2" name="Title 1"/>
           <p:cNvSpPr>
             <a:spLocks noGrp="1"/>
@@ -4268,27 +5076,964 @@
           <a:p>
             <a:r>
               <a:rPr lang="pt-BR" dirty="0" smtClean="0"/>
-              <a:t>Vantagens</a:t>
-            </a:r>
-            <a:endParaRPr lang="en-US" dirty="0"/>
-          </a:p>
-        </p:txBody>
-      </p:sp>
-      <p:sp>
-        <p:nvSpPr>
-          <p:cNvPr id="3" name="Content Placeholder 2"/>
-          <p:cNvSpPr>
-            <a:spLocks noGrp="1"/>
-          </p:cNvSpPr>
-          <p:nvPr>
-            <p:ph idx="1"/>
-          </p:nvPr>
-        </p:nvSpPr>
-        <p:spPr/>
-        <p:txBody>
-          <a:bodyPr/>
-          <a:lstStyle/>
-          <a:p>
+              <a:t>VM x Docker</a:t>
+            </a:r>
+            <a:endParaRPr lang="en-US" dirty="0"/>
+          </a:p>
+        </p:txBody>
+      </p:sp>
+      <p:sp>
+        <p:nvSpPr>
+          <p:cNvPr id="6" name="TextBox 5"/>
+          <p:cNvSpPr txBox="1"/>
+          <p:nvPr/>
+        </p:nvSpPr>
+        <p:spPr>
+          <a:xfrm>
+            <a:off x="2039692" y="1825609"/>
+            <a:ext cx="696024" cy="523220"/>
+          </a:xfrm>
+          <a:prstGeom prst="rect">
+            <a:avLst/>
+          </a:prstGeom>
+          <a:noFill/>
+        </p:spPr>
+        <p:txBody>
+          <a:bodyPr wrap="none" rtlCol="0">
+            <a:spAutoFit/>
+          </a:bodyPr>
+          <a:lstStyle/>
+          <a:p>
+            <a:r>
+              <a:rPr lang="pt-BR" sz="2800" dirty="0" smtClean="0"/>
+              <a:t>VM</a:t>
+            </a:r>
+            <a:endParaRPr lang="en-US" sz="2800" dirty="0"/>
+          </a:p>
+        </p:txBody>
+      </p:sp>
+      <p:sp>
+        <p:nvSpPr>
+          <p:cNvPr id="8" name="TextBox 7"/>
+          <p:cNvSpPr txBox="1"/>
+          <p:nvPr/>
+        </p:nvSpPr>
+        <p:spPr>
+          <a:xfrm>
+            <a:off x="6095110" y="1825609"/>
+            <a:ext cx="1202252" cy="523220"/>
+          </a:xfrm>
+          <a:prstGeom prst="rect">
+            <a:avLst/>
+          </a:prstGeom>
+          <a:noFill/>
+        </p:spPr>
+        <p:txBody>
+          <a:bodyPr wrap="none" rtlCol="0">
+            <a:spAutoFit/>
+          </a:bodyPr>
+          <a:lstStyle/>
+          <a:p>
+            <a:r>
+              <a:rPr lang="pt-BR" sz="2800" dirty="0" smtClean="0"/>
+              <a:t>Docker</a:t>
+            </a:r>
+            <a:endParaRPr lang="en-US" sz="2800" dirty="0"/>
+          </a:p>
+        </p:txBody>
+      </p:sp>
+      <p:sp>
+        <p:nvSpPr>
+          <p:cNvPr id="9" name="Rounded Rectangle 8"/>
+          <p:cNvSpPr/>
+          <p:nvPr/>
+        </p:nvSpPr>
+        <p:spPr>
+          <a:xfrm>
+            <a:off x="457200" y="5224287"/>
+            <a:ext cx="3826768" cy="454124"/>
+          </a:xfrm>
+          <a:prstGeom prst="roundRect">
+            <a:avLst/>
+          </a:prstGeom>
+          <a:gradFill flip="none" rotWithShape="1">
+            <a:gsLst>
+              <a:gs pos="0">
+                <a:schemeClr val="accent3">
+                  <a:lumMod val="67000"/>
+                </a:schemeClr>
+              </a:gs>
+              <a:gs pos="48000">
+                <a:schemeClr val="accent3">
+                  <a:lumMod val="97000"/>
+                  <a:lumOff val="3000"/>
+                </a:schemeClr>
+              </a:gs>
+              <a:gs pos="100000">
+                <a:schemeClr val="accent3">
+                  <a:lumMod val="60000"/>
+                  <a:lumOff val="40000"/>
+                </a:schemeClr>
+              </a:gs>
+            </a:gsLst>
+            <a:lin ang="16200000" scaled="1"/>
+            <a:tileRect/>
+          </a:gradFill>
+          <a:ln>
+            <a:noFill/>
+          </a:ln>
+        </p:spPr>
+        <p:style>
+          <a:lnRef idx="0">
+            <a:scrgbClr r="0" g="0" b="0"/>
+          </a:lnRef>
+          <a:fillRef idx="0">
+            <a:scrgbClr r="0" g="0" b="0"/>
+          </a:fillRef>
+          <a:effectRef idx="0">
+            <a:scrgbClr r="0" g="0" b="0"/>
+          </a:effectRef>
+          <a:fontRef idx="minor">
+            <a:schemeClr val="lt1"/>
+          </a:fontRef>
+        </p:style>
+        <p:txBody>
+          <a:bodyPr rtlCol="0" anchor="ctr"/>
+          <a:lstStyle/>
+          <a:p>
+            <a:pPr algn="ctr"/>
+            <a:r>
+              <a:rPr lang="pt-BR" dirty="0" smtClean="0"/>
+              <a:t>Host S.O.</a:t>
+            </a:r>
+            <a:endParaRPr lang="en-US" dirty="0"/>
+          </a:p>
+        </p:txBody>
+      </p:sp>
+      <p:sp>
+        <p:nvSpPr>
+          <p:cNvPr id="10" name="Rounded Rectangle 9"/>
+          <p:cNvSpPr/>
+          <p:nvPr/>
+        </p:nvSpPr>
+        <p:spPr>
+          <a:xfrm>
+            <a:off x="474320" y="4612896"/>
+            <a:ext cx="3826768" cy="507615"/>
+          </a:xfrm>
+          <a:prstGeom prst="roundRect">
+            <a:avLst/>
+          </a:prstGeom>
+          <a:ln/>
+        </p:spPr>
+        <p:style>
+          <a:lnRef idx="3">
+            <a:schemeClr val="lt1"/>
+          </a:lnRef>
+          <a:fillRef idx="1">
+            <a:schemeClr val="accent4"/>
+          </a:fillRef>
+          <a:effectRef idx="1">
+            <a:schemeClr val="accent4"/>
+          </a:effectRef>
+          <a:fontRef idx="minor">
+            <a:schemeClr val="lt1"/>
+          </a:fontRef>
+        </p:style>
+        <p:txBody>
+          <a:bodyPr rtlCol="0" anchor="ctr"/>
+          <a:lstStyle/>
+          <a:p>
+            <a:pPr algn="ctr"/>
+            <a:r>
+              <a:rPr lang="pt-BR" dirty="0" smtClean="0"/>
+              <a:t>VMM (Hypervision, VMWare)</a:t>
+            </a:r>
+            <a:endParaRPr lang="en-US" dirty="0"/>
+          </a:p>
+        </p:txBody>
+      </p:sp>
+      <p:sp>
+        <p:nvSpPr>
+          <p:cNvPr id="15" name="Rounded Rectangle 14"/>
+          <p:cNvSpPr/>
+          <p:nvPr/>
+        </p:nvSpPr>
+        <p:spPr>
+          <a:xfrm>
+            <a:off x="539552" y="3212976"/>
+            <a:ext cx="1169248" cy="648072"/>
+          </a:xfrm>
+          <a:prstGeom prst="roundRect">
+            <a:avLst/>
+          </a:prstGeom>
+          <a:ln/>
+        </p:spPr>
+        <p:style>
+          <a:lnRef idx="0">
+            <a:schemeClr val="accent6"/>
+          </a:lnRef>
+          <a:fillRef idx="3">
+            <a:schemeClr val="accent6"/>
+          </a:fillRef>
+          <a:effectRef idx="3">
+            <a:schemeClr val="accent6"/>
+          </a:effectRef>
+          <a:fontRef idx="minor">
+            <a:schemeClr val="lt1"/>
+          </a:fontRef>
+        </p:style>
+        <p:txBody>
+          <a:bodyPr rtlCol="0" anchor="t" anchorCtr="0"/>
+          <a:lstStyle/>
+          <a:p>
+            <a:pPr algn="ctr"/>
+            <a:r>
+              <a:rPr lang="pt-BR" dirty="0" smtClean="0"/>
+              <a:t>App1</a:t>
+            </a:r>
+            <a:endParaRPr lang="en-US" dirty="0"/>
+          </a:p>
+        </p:txBody>
+      </p:sp>
+      <p:sp>
+        <p:nvSpPr>
+          <p:cNvPr id="17" name="Rounded Rectangle 16"/>
+          <p:cNvSpPr/>
+          <p:nvPr/>
+        </p:nvSpPr>
+        <p:spPr>
+          <a:xfrm>
+            <a:off x="1791152" y="3212976"/>
+            <a:ext cx="1169248" cy="648072"/>
+          </a:xfrm>
+          <a:prstGeom prst="roundRect">
+            <a:avLst/>
+          </a:prstGeom>
+          <a:ln/>
+        </p:spPr>
+        <p:style>
+          <a:lnRef idx="0">
+            <a:schemeClr val="accent5"/>
+          </a:lnRef>
+          <a:fillRef idx="3">
+            <a:schemeClr val="accent5"/>
+          </a:fillRef>
+          <a:effectRef idx="3">
+            <a:schemeClr val="accent5"/>
+          </a:effectRef>
+          <a:fontRef idx="minor">
+            <a:schemeClr val="lt1"/>
+          </a:fontRef>
+        </p:style>
+        <p:txBody>
+          <a:bodyPr rtlCol="0" anchor="t" anchorCtr="0"/>
+          <a:lstStyle/>
+          <a:p>
+            <a:pPr algn="ctr"/>
+            <a:r>
+              <a:rPr lang="pt-BR" dirty="0" smtClean="0"/>
+              <a:t>App2</a:t>
+            </a:r>
+            <a:endParaRPr lang="en-US" dirty="0"/>
+          </a:p>
+        </p:txBody>
+      </p:sp>
+      <p:sp>
+        <p:nvSpPr>
+          <p:cNvPr id="18" name="Rounded Rectangle 17"/>
+          <p:cNvSpPr/>
+          <p:nvPr/>
+        </p:nvSpPr>
+        <p:spPr>
+          <a:xfrm>
+            <a:off x="3046769" y="3212976"/>
+            <a:ext cx="1169248" cy="648072"/>
+          </a:xfrm>
+          <a:prstGeom prst="roundRect">
+            <a:avLst/>
+          </a:prstGeom>
+          <a:ln/>
+        </p:spPr>
+        <p:style>
+          <a:lnRef idx="0">
+            <a:schemeClr val="accent1"/>
+          </a:lnRef>
+          <a:fillRef idx="3">
+            <a:schemeClr val="accent1"/>
+          </a:fillRef>
+          <a:effectRef idx="3">
+            <a:schemeClr val="accent1"/>
+          </a:effectRef>
+          <a:fontRef idx="minor">
+            <a:schemeClr val="lt1"/>
+          </a:fontRef>
+        </p:style>
+        <p:txBody>
+          <a:bodyPr rtlCol="0" anchor="t" anchorCtr="0"/>
+          <a:lstStyle/>
+          <a:p>
+            <a:pPr algn="ctr"/>
+            <a:r>
+              <a:rPr lang="pt-BR" dirty="0" smtClean="0"/>
+              <a:t>App3</a:t>
+            </a:r>
+            <a:endParaRPr lang="en-US" dirty="0"/>
+          </a:p>
+        </p:txBody>
+      </p:sp>
+      <p:sp>
+        <p:nvSpPr>
+          <p:cNvPr id="23" name="Rectangle 22"/>
+          <p:cNvSpPr/>
+          <p:nvPr/>
+        </p:nvSpPr>
+        <p:spPr>
+          <a:xfrm>
+            <a:off x="4734454" y="2309803"/>
+            <a:ext cx="4248472" cy="3960440"/>
+          </a:xfrm>
+          <a:prstGeom prst="rect">
+            <a:avLst/>
+          </a:prstGeom>
+          <a:solidFill>
+            <a:schemeClr val="accent5">
+              <a:lumMod val="20000"/>
+              <a:lumOff val="80000"/>
+            </a:schemeClr>
+          </a:solidFill>
+        </p:spPr>
+        <p:style>
+          <a:lnRef idx="2">
+            <a:schemeClr val="accent1">
+              <a:shade val="50000"/>
+            </a:schemeClr>
+          </a:lnRef>
+          <a:fillRef idx="1">
+            <a:schemeClr val="accent1"/>
+          </a:fillRef>
+          <a:effectRef idx="0">
+            <a:schemeClr val="accent1"/>
+          </a:effectRef>
+          <a:fontRef idx="minor">
+            <a:schemeClr val="lt1"/>
+          </a:fontRef>
+        </p:style>
+        <p:txBody>
+          <a:bodyPr rtlCol="0" anchor="ctr"/>
+          <a:lstStyle/>
+          <a:p>
+            <a:pPr algn="ctr"/>
+            <a:endParaRPr lang="en-US" dirty="0"/>
+          </a:p>
+        </p:txBody>
+      </p:sp>
+      <p:sp>
+        <p:nvSpPr>
+          <p:cNvPr id="24" name="Rounded Rectangle 23"/>
+          <p:cNvSpPr/>
+          <p:nvPr/>
+        </p:nvSpPr>
+        <p:spPr>
+          <a:xfrm>
+            <a:off x="4899404" y="5224287"/>
+            <a:ext cx="3826768" cy="454124"/>
+          </a:xfrm>
+          <a:prstGeom prst="roundRect">
+            <a:avLst/>
+          </a:prstGeom>
+          <a:gradFill flip="none" rotWithShape="1">
+            <a:gsLst>
+              <a:gs pos="0">
+                <a:schemeClr val="accent3">
+                  <a:lumMod val="67000"/>
+                </a:schemeClr>
+              </a:gs>
+              <a:gs pos="48000">
+                <a:schemeClr val="accent3">
+                  <a:lumMod val="97000"/>
+                  <a:lumOff val="3000"/>
+                </a:schemeClr>
+              </a:gs>
+              <a:gs pos="100000">
+                <a:schemeClr val="accent3">
+                  <a:lumMod val="60000"/>
+                  <a:lumOff val="40000"/>
+                </a:schemeClr>
+              </a:gs>
+            </a:gsLst>
+            <a:lin ang="16200000" scaled="1"/>
+            <a:tileRect/>
+          </a:gradFill>
+          <a:ln>
+            <a:noFill/>
+          </a:ln>
+        </p:spPr>
+        <p:style>
+          <a:lnRef idx="0">
+            <a:scrgbClr r="0" g="0" b="0"/>
+          </a:lnRef>
+          <a:fillRef idx="0">
+            <a:scrgbClr r="0" g="0" b="0"/>
+          </a:fillRef>
+          <a:effectRef idx="0">
+            <a:scrgbClr r="0" g="0" b="0"/>
+          </a:effectRef>
+          <a:fontRef idx="minor">
+            <a:schemeClr val="lt1"/>
+          </a:fontRef>
+        </p:style>
+        <p:txBody>
+          <a:bodyPr rtlCol="0" anchor="ctr"/>
+          <a:lstStyle/>
+          <a:p>
+            <a:pPr algn="ctr"/>
+            <a:r>
+              <a:rPr lang="pt-BR" dirty="0" smtClean="0"/>
+              <a:t>Host S.O.</a:t>
+            </a:r>
+            <a:endParaRPr lang="en-US" dirty="0"/>
+          </a:p>
+        </p:txBody>
+      </p:sp>
+      <p:sp>
+        <p:nvSpPr>
+          <p:cNvPr id="26" name="Rounded Rectangle 25"/>
+          <p:cNvSpPr/>
+          <p:nvPr/>
+        </p:nvSpPr>
+        <p:spPr>
+          <a:xfrm>
+            <a:off x="4914920" y="3882489"/>
+            <a:ext cx="1169248" cy="648072"/>
+          </a:xfrm>
+          <a:prstGeom prst="roundRect">
+            <a:avLst/>
+          </a:prstGeom>
+          <a:ln/>
+        </p:spPr>
+        <p:style>
+          <a:lnRef idx="0">
+            <a:schemeClr val="accent6"/>
+          </a:lnRef>
+          <a:fillRef idx="3">
+            <a:schemeClr val="accent6"/>
+          </a:fillRef>
+          <a:effectRef idx="3">
+            <a:schemeClr val="accent6"/>
+          </a:effectRef>
+          <a:fontRef idx="minor">
+            <a:schemeClr val="lt1"/>
+          </a:fontRef>
+        </p:style>
+        <p:txBody>
+          <a:bodyPr rtlCol="0" anchor="t" anchorCtr="0"/>
+          <a:lstStyle/>
+          <a:p>
+            <a:pPr algn="ctr"/>
+            <a:r>
+              <a:rPr lang="pt-BR" dirty="0" smtClean="0"/>
+              <a:t>App1</a:t>
+            </a:r>
+            <a:endParaRPr lang="en-US" dirty="0"/>
+          </a:p>
+        </p:txBody>
+      </p:sp>
+      <p:sp>
+        <p:nvSpPr>
+          <p:cNvPr id="27" name="Rounded Rectangle 26"/>
+          <p:cNvSpPr/>
+          <p:nvPr/>
+        </p:nvSpPr>
+        <p:spPr>
+          <a:xfrm>
+            <a:off x="6274066" y="3861048"/>
+            <a:ext cx="1169248" cy="648072"/>
+          </a:xfrm>
+          <a:prstGeom prst="roundRect">
+            <a:avLst/>
+          </a:prstGeom>
+          <a:ln/>
+        </p:spPr>
+        <p:style>
+          <a:lnRef idx="0">
+            <a:schemeClr val="accent5"/>
+          </a:lnRef>
+          <a:fillRef idx="3">
+            <a:schemeClr val="accent5"/>
+          </a:fillRef>
+          <a:effectRef idx="3">
+            <a:schemeClr val="accent5"/>
+          </a:effectRef>
+          <a:fontRef idx="minor">
+            <a:schemeClr val="lt1"/>
+          </a:fontRef>
+        </p:style>
+        <p:txBody>
+          <a:bodyPr rtlCol="0" anchor="t" anchorCtr="0"/>
+          <a:lstStyle/>
+          <a:p>
+            <a:pPr algn="ctr"/>
+            <a:r>
+              <a:rPr lang="pt-BR" dirty="0" smtClean="0"/>
+              <a:t>App2</a:t>
+            </a:r>
+            <a:endParaRPr lang="en-US" dirty="0"/>
+          </a:p>
+        </p:txBody>
+      </p:sp>
+      <p:sp>
+        <p:nvSpPr>
+          <p:cNvPr id="28" name="Rounded Rectangle 27"/>
+          <p:cNvSpPr/>
+          <p:nvPr/>
+        </p:nvSpPr>
+        <p:spPr>
+          <a:xfrm>
+            <a:off x="7529683" y="3861048"/>
+            <a:ext cx="1169248" cy="648072"/>
+          </a:xfrm>
+          <a:prstGeom prst="roundRect">
+            <a:avLst/>
+          </a:prstGeom>
+          <a:ln/>
+        </p:spPr>
+        <p:style>
+          <a:lnRef idx="0">
+            <a:schemeClr val="accent1"/>
+          </a:lnRef>
+          <a:fillRef idx="3">
+            <a:schemeClr val="accent1"/>
+          </a:fillRef>
+          <a:effectRef idx="3">
+            <a:schemeClr val="accent1"/>
+          </a:effectRef>
+          <a:fontRef idx="minor">
+            <a:schemeClr val="lt1"/>
+          </a:fontRef>
+        </p:style>
+        <p:txBody>
+          <a:bodyPr rtlCol="0" anchor="t" anchorCtr="0"/>
+          <a:lstStyle/>
+          <a:p>
+            <a:pPr algn="ctr"/>
+            <a:r>
+              <a:rPr lang="pt-BR" dirty="0" smtClean="0"/>
+              <a:t>App3</a:t>
+            </a:r>
+            <a:endParaRPr lang="en-US" dirty="0"/>
+          </a:p>
+        </p:txBody>
+      </p:sp>
+      <p:sp>
+        <p:nvSpPr>
+          <p:cNvPr id="29" name="Rounded Rectangle 28"/>
+          <p:cNvSpPr/>
+          <p:nvPr/>
+        </p:nvSpPr>
+        <p:spPr>
+          <a:xfrm>
+            <a:off x="539552" y="3861048"/>
+            <a:ext cx="1169248" cy="648072"/>
+          </a:xfrm>
+          <a:prstGeom prst="roundRect">
+            <a:avLst/>
+          </a:prstGeom>
+          <a:gradFill flip="none" rotWithShape="1">
+            <a:gsLst>
+              <a:gs pos="0">
+                <a:schemeClr val="accent3">
+                  <a:lumMod val="67000"/>
+                </a:schemeClr>
+              </a:gs>
+              <a:gs pos="48000">
+                <a:schemeClr val="accent3">
+                  <a:lumMod val="97000"/>
+                  <a:lumOff val="3000"/>
+                </a:schemeClr>
+              </a:gs>
+              <a:gs pos="100000">
+                <a:schemeClr val="accent3">
+                  <a:lumMod val="60000"/>
+                  <a:lumOff val="40000"/>
+                </a:schemeClr>
+              </a:gs>
+            </a:gsLst>
+            <a:lin ang="16200000" scaled="1"/>
+            <a:tileRect/>
+          </a:gradFill>
+          <a:ln>
+            <a:noFill/>
+          </a:ln>
+        </p:spPr>
+        <p:style>
+          <a:lnRef idx="0">
+            <a:scrgbClr r="0" g="0" b="0"/>
+          </a:lnRef>
+          <a:fillRef idx="0">
+            <a:scrgbClr r="0" g="0" b="0"/>
+          </a:fillRef>
+          <a:effectRef idx="0">
+            <a:scrgbClr r="0" g="0" b="0"/>
+          </a:effectRef>
+          <a:fontRef idx="minor">
+            <a:schemeClr val="lt1"/>
+          </a:fontRef>
+        </p:style>
+        <p:txBody>
+          <a:bodyPr rtlCol="0" anchor="t" anchorCtr="0"/>
+          <a:lstStyle/>
+          <a:p>
+            <a:pPr algn="ctr"/>
+            <a:r>
+              <a:rPr lang="pt-BR" dirty="0" smtClean="0"/>
+              <a:t>S.O. cliente</a:t>
+            </a:r>
+            <a:endParaRPr lang="en-US" dirty="0"/>
+          </a:p>
+        </p:txBody>
+      </p:sp>
+      <p:sp>
+        <p:nvSpPr>
+          <p:cNvPr id="30" name="Rounded Rectangle 29"/>
+          <p:cNvSpPr/>
+          <p:nvPr/>
+        </p:nvSpPr>
+        <p:spPr>
+          <a:xfrm>
+            <a:off x="1791152" y="3861048"/>
+            <a:ext cx="1169248" cy="648072"/>
+          </a:xfrm>
+          <a:prstGeom prst="roundRect">
+            <a:avLst/>
+          </a:prstGeom>
+          <a:gradFill flip="none" rotWithShape="1">
+            <a:gsLst>
+              <a:gs pos="0">
+                <a:schemeClr val="accent3">
+                  <a:lumMod val="67000"/>
+                </a:schemeClr>
+              </a:gs>
+              <a:gs pos="48000">
+                <a:schemeClr val="accent3">
+                  <a:lumMod val="97000"/>
+                  <a:lumOff val="3000"/>
+                </a:schemeClr>
+              </a:gs>
+              <a:gs pos="100000">
+                <a:schemeClr val="accent3">
+                  <a:lumMod val="60000"/>
+                  <a:lumOff val="40000"/>
+                </a:schemeClr>
+              </a:gs>
+            </a:gsLst>
+            <a:lin ang="16200000" scaled="1"/>
+            <a:tileRect/>
+          </a:gradFill>
+          <a:ln>
+            <a:noFill/>
+          </a:ln>
+        </p:spPr>
+        <p:style>
+          <a:lnRef idx="0">
+            <a:scrgbClr r="0" g="0" b="0"/>
+          </a:lnRef>
+          <a:fillRef idx="0">
+            <a:scrgbClr r="0" g="0" b="0"/>
+          </a:fillRef>
+          <a:effectRef idx="0">
+            <a:scrgbClr r="0" g="0" b="0"/>
+          </a:effectRef>
+          <a:fontRef idx="minor">
+            <a:schemeClr val="lt1"/>
+          </a:fontRef>
+        </p:style>
+        <p:txBody>
+          <a:bodyPr rtlCol="0" anchor="t" anchorCtr="0"/>
+          <a:lstStyle/>
+          <a:p>
+            <a:pPr algn="ctr"/>
+            <a:r>
+              <a:rPr lang="pt-BR" dirty="0"/>
+              <a:t>S.O. cliente</a:t>
+            </a:r>
+            <a:endParaRPr lang="en-US" dirty="0"/>
+          </a:p>
+          <a:p>
+            <a:pPr algn="ctr"/>
+            <a:endParaRPr lang="en-US" dirty="0"/>
+          </a:p>
+        </p:txBody>
+      </p:sp>
+      <p:sp>
+        <p:nvSpPr>
+          <p:cNvPr id="31" name="Rounded Rectangle 30"/>
+          <p:cNvSpPr/>
+          <p:nvPr/>
+        </p:nvSpPr>
+        <p:spPr>
+          <a:xfrm>
+            <a:off x="3046769" y="3861048"/>
+            <a:ext cx="1169248" cy="648072"/>
+          </a:xfrm>
+          <a:prstGeom prst="roundRect">
+            <a:avLst/>
+          </a:prstGeom>
+          <a:gradFill flip="none" rotWithShape="1">
+            <a:gsLst>
+              <a:gs pos="0">
+                <a:schemeClr val="accent3">
+                  <a:lumMod val="67000"/>
+                </a:schemeClr>
+              </a:gs>
+              <a:gs pos="48000">
+                <a:schemeClr val="accent3">
+                  <a:lumMod val="97000"/>
+                  <a:lumOff val="3000"/>
+                </a:schemeClr>
+              </a:gs>
+              <a:gs pos="100000">
+                <a:schemeClr val="accent3">
+                  <a:lumMod val="60000"/>
+                  <a:lumOff val="40000"/>
+                </a:schemeClr>
+              </a:gs>
+            </a:gsLst>
+            <a:lin ang="16200000" scaled="1"/>
+            <a:tileRect/>
+          </a:gradFill>
+          <a:ln>
+            <a:noFill/>
+          </a:ln>
+        </p:spPr>
+        <p:style>
+          <a:lnRef idx="0">
+            <a:scrgbClr r="0" g="0" b="0"/>
+          </a:lnRef>
+          <a:fillRef idx="0">
+            <a:scrgbClr r="0" g="0" b="0"/>
+          </a:fillRef>
+          <a:effectRef idx="0">
+            <a:scrgbClr r="0" g="0" b="0"/>
+          </a:effectRef>
+          <a:fontRef idx="minor">
+            <a:schemeClr val="lt1"/>
+          </a:fontRef>
+        </p:style>
+        <p:txBody>
+          <a:bodyPr rtlCol="0" anchor="t" anchorCtr="0"/>
+          <a:lstStyle/>
+          <a:p>
+            <a:pPr algn="ctr"/>
+            <a:r>
+              <a:rPr lang="pt-BR" dirty="0"/>
+              <a:t>S.O. cliente</a:t>
+            </a:r>
+            <a:endParaRPr lang="en-US" dirty="0"/>
+          </a:p>
+          <a:p>
+            <a:pPr algn="ctr"/>
+            <a:endParaRPr lang="en-US" dirty="0"/>
+          </a:p>
+        </p:txBody>
+      </p:sp>
+      <p:sp>
+        <p:nvSpPr>
+          <p:cNvPr id="32" name="Rounded Rectangle 31"/>
+          <p:cNvSpPr/>
+          <p:nvPr/>
+        </p:nvSpPr>
+        <p:spPr>
+          <a:xfrm>
+            <a:off x="4899404" y="4666387"/>
+            <a:ext cx="3826768" cy="454124"/>
+          </a:xfrm>
+          <a:prstGeom prst="roundRect">
+            <a:avLst/>
+          </a:prstGeom>
+          <a:ln/>
+        </p:spPr>
+        <p:style>
+          <a:lnRef idx="3">
+            <a:schemeClr val="lt1"/>
+          </a:lnRef>
+          <a:fillRef idx="1">
+            <a:schemeClr val="accent4"/>
+          </a:fillRef>
+          <a:effectRef idx="1">
+            <a:schemeClr val="accent4"/>
+          </a:effectRef>
+          <a:fontRef idx="minor">
+            <a:schemeClr val="lt1"/>
+          </a:fontRef>
+        </p:style>
+        <p:txBody>
+          <a:bodyPr rtlCol="0" anchor="ctr"/>
+          <a:lstStyle/>
+          <a:p>
+            <a:pPr algn="ctr"/>
+            <a:r>
+              <a:rPr lang="pt-BR" dirty="0" smtClean="0"/>
+              <a:t>Docker Engine</a:t>
+            </a:r>
+            <a:endParaRPr lang="en-US" dirty="0"/>
+          </a:p>
+        </p:txBody>
+      </p:sp>
+      <p:sp>
+        <p:nvSpPr>
+          <p:cNvPr id="4" name="Rounded Rectangle 3"/>
+          <p:cNvSpPr/>
+          <p:nvPr/>
+        </p:nvSpPr>
+        <p:spPr>
+          <a:xfrm>
+            <a:off x="4833257" y="3789040"/>
+            <a:ext cx="1323952" cy="805339"/>
+          </a:xfrm>
+          <a:prstGeom prst="roundRect">
+            <a:avLst/>
+          </a:prstGeom>
+          <a:noFill/>
+          <a:ln>
+            <a:solidFill>
+              <a:schemeClr val="accent1">
+                <a:shade val="50000"/>
+              </a:schemeClr>
+            </a:solidFill>
+            <a:prstDash val="dash"/>
+          </a:ln>
+        </p:spPr>
+        <p:style>
+          <a:lnRef idx="2">
+            <a:schemeClr val="accent1">
+              <a:shade val="50000"/>
+            </a:schemeClr>
+          </a:lnRef>
+          <a:fillRef idx="1">
+            <a:schemeClr val="accent1"/>
+          </a:fillRef>
+          <a:effectRef idx="0">
+            <a:schemeClr val="accent1"/>
+          </a:effectRef>
+          <a:fontRef idx="minor">
+            <a:schemeClr val="lt1"/>
+          </a:fontRef>
+        </p:style>
+        <p:txBody>
+          <a:bodyPr rtlCol="0" anchor="ctr"/>
+          <a:lstStyle/>
+          <a:p>
+            <a:pPr algn="ctr"/>
+            <a:endParaRPr lang="en-US"/>
+          </a:p>
+        </p:txBody>
+      </p:sp>
+      <p:sp>
+        <p:nvSpPr>
+          <p:cNvPr id="36" name="Rounded Rectangle 35"/>
+          <p:cNvSpPr/>
+          <p:nvPr/>
+        </p:nvSpPr>
+        <p:spPr>
+          <a:xfrm>
+            <a:off x="6205627" y="3775789"/>
+            <a:ext cx="2568963" cy="805339"/>
+          </a:xfrm>
+          <a:prstGeom prst="roundRect">
+            <a:avLst/>
+          </a:prstGeom>
+          <a:noFill/>
+          <a:ln>
+            <a:solidFill>
+              <a:schemeClr val="accent1">
+                <a:shade val="50000"/>
+              </a:schemeClr>
+            </a:solidFill>
+            <a:prstDash val="dash"/>
+          </a:ln>
+        </p:spPr>
+        <p:style>
+          <a:lnRef idx="2">
+            <a:schemeClr val="accent1">
+              <a:shade val="50000"/>
+            </a:schemeClr>
+          </a:lnRef>
+          <a:fillRef idx="1">
+            <a:schemeClr val="accent1"/>
+          </a:fillRef>
+          <a:effectRef idx="0">
+            <a:schemeClr val="accent1"/>
+          </a:effectRef>
+          <a:fontRef idx="minor">
+            <a:schemeClr val="lt1"/>
+          </a:fontRef>
+        </p:style>
+        <p:txBody>
+          <a:bodyPr rtlCol="0" anchor="ctr"/>
+          <a:lstStyle/>
+          <a:p>
+            <a:pPr algn="ctr"/>
+            <a:endParaRPr lang="en-US"/>
+          </a:p>
+        </p:txBody>
+      </p:sp>
+      <p:sp>
+        <p:nvSpPr>
+          <p:cNvPr id="7" name="TextBox 6"/>
+          <p:cNvSpPr txBox="1"/>
+          <p:nvPr/>
+        </p:nvSpPr>
+        <p:spPr>
+          <a:xfrm>
+            <a:off x="4893714" y="3477153"/>
+            <a:ext cx="1274580" cy="369332"/>
+          </a:xfrm>
+          <a:prstGeom prst="rect">
+            <a:avLst/>
+          </a:prstGeom>
+          <a:noFill/>
+        </p:spPr>
+        <p:txBody>
+          <a:bodyPr wrap="none" rtlCol="0">
+            <a:spAutoFit/>
+          </a:bodyPr>
+          <a:lstStyle/>
+          <a:p>
+            <a:r>
+              <a:rPr lang="pt-BR" dirty="0" smtClean="0"/>
+              <a:t>Container 1</a:t>
+            </a:r>
+            <a:endParaRPr lang="en-US" dirty="0"/>
+          </a:p>
+        </p:txBody>
+      </p:sp>
+      <p:sp>
+        <p:nvSpPr>
+          <p:cNvPr id="37" name="TextBox 36"/>
+          <p:cNvSpPr txBox="1"/>
+          <p:nvPr/>
+        </p:nvSpPr>
+        <p:spPr>
+          <a:xfrm>
+            <a:off x="6806024" y="3471989"/>
+            <a:ext cx="1274580" cy="369332"/>
+          </a:xfrm>
+          <a:prstGeom prst="rect">
+            <a:avLst/>
+          </a:prstGeom>
+          <a:noFill/>
+        </p:spPr>
+        <p:txBody>
+          <a:bodyPr wrap="none" rtlCol="0">
+            <a:spAutoFit/>
+          </a:bodyPr>
+          <a:lstStyle/>
+          <a:p>
+            <a:r>
+              <a:rPr lang="pt-BR" dirty="0" smtClean="0"/>
+              <a:t>Container 2</a:t>
+            </a:r>
             <a:endParaRPr lang="en-US" dirty="0"/>
           </a:p>
         </p:txBody>
@@ -4296,7 +6041,7 @@
     </p:spTree>
     <p:extLst>
       <p:ext uri="{BB962C8B-B14F-4D97-AF65-F5344CB8AC3E}">
-        <p14:creationId xmlns:p14="http://schemas.microsoft.com/office/powerpoint/2010/main" val="1750536368"/>
+        <p14:creationId xmlns:p14="http://schemas.microsoft.com/office/powerpoint/2010/main" val="824566759"/>
       </p:ext>
     </p:extLst>
   </p:cSld>
@@ -4347,7 +6092,7 @@
           <a:p>
             <a:r>
               <a:rPr lang="pt-BR" dirty="0" smtClean="0"/>
-              <a:t>Docker x VM</a:t>
+              <a:t>Vantagens</a:t>
             </a:r>
             <a:endParaRPr lang="en-US" dirty="0"/>
           </a:p>
@@ -4367,6 +6112,36 @@
         <p:txBody>
           <a:bodyPr/>
           <a:lstStyle/>
+          <a:p>
+            <a:r>
+              <a:rPr lang="pt-BR" dirty="0" smtClean="0"/>
+              <a:t>Imagens</a:t>
+            </a:r>
+          </a:p>
+          <a:p>
+            <a:r>
+              <a:rPr lang="pt-BR" dirty="0" smtClean="0"/>
+              <a:t>Mais leve</a:t>
+            </a:r>
+          </a:p>
+          <a:p>
+            <a:r>
+              <a:rPr lang="pt-BR" dirty="0" smtClean="0"/>
+              <a:t>Produtividade, velocidade de disponibilização</a:t>
+            </a:r>
+          </a:p>
+          <a:p>
+            <a:r>
+              <a:rPr lang="pt-BR" dirty="0" smtClean="0"/>
+              <a:t>Portabilidade, evita incompatibilidade</a:t>
+            </a:r>
+          </a:p>
+          <a:p>
+            <a:r>
+              <a:rPr lang="pt-BR" dirty="0" smtClean="0"/>
+              <a:t>Modularidade</a:t>
+            </a:r>
+          </a:p>
           <a:p>
             <a:endParaRPr lang="en-US" dirty="0"/>
           </a:p>
@@ -4375,13 +6150,20 @@
     </p:spTree>
     <p:extLst>
       <p:ext uri="{BB962C8B-B14F-4D97-AF65-F5344CB8AC3E}">
-        <p14:creationId xmlns:p14="http://schemas.microsoft.com/office/powerpoint/2010/main" val="824566759"/>
+        <p14:creationId xmlns:p14="http://schemas.microsoft.com/office/powerpoint/2010/main" val="1750536368"/>
       </p:ext>
     </p:extLst>
   </p:cSld>
   <p:clrMapOvr>
     <a:masterClrMapping/>
   </p:clrMapOvr>
+  <p:timing>
+    <p:tnLst>
+      <p:par>
+        <p:cTn id="1" dur="indefinite" restart="never" nodeType="tmRoot"/>
+      </p:par>
+    </p:tnLst>
+  </p:timing>
 </p:sld>
 </file>
 
@@ -4419,7 +6201,7 @@
           <a:p>
             <a:r>
               <a:rPr lang="pt-BR" dirty="0" smtClean="0"/>
-              <a:t>Ferramentas</a:t>
+              <a:t>Desvantagens</a:t>
             </a:r>
             <a:endParaRPr lang="en-US" dirty="0"/>
           </a:p>
@@ -4442,35 +6224,14 @@
           <a:p>
             <a:r>
               <a:rPr lang="pt-BR" dirty="0" smtClean="0"/>
-              <a:t>Kubernetes</a:t>
+              <a:t>Camada a mais</a:t>
             </a:r>
           </a:p>
           <a:p>
             <a:r>
               <a:rPr lang="pt-BR" dirty="0" smtClean="0"/>
-              <a:t>Openshift</a:t>
-            </a:r>
-          </a:p>
-          <a:p>
-            <a:r>
-              <a:rPr lang="pt-BR" dirty="0"/>
-              <a:t>Docker Hub</a:t>
-            </a:r>
-            <a:endParaRPr lang="pt-BR" dirty="0" smtClean="0"/>
-          </a:p>
-          <a:p>
-            <a:r>
-              <a:rPr lang="pt-BR" dirty="0" smtClean="0"/>
-              <a:t>Kitematic</a:t>
-            </a:r>
-          </a:p>
-          <a:p>
-            <a:endParaRPr lang="pt-BR" dirty="0" smtClean="0"/>
-          </a:p>
-          <a:p>
-            <a:pPr marL="0" indent="0">
-              <a:buNone/>
-            </a:pPr>
+              <a:t>Não tem S.O.</a:t>
+            </a:r>
             <a:endParaRPr lang="en-US" dirty="0"/>
           </a:p>
         </p:txBody>
@@ -4478,13 +6239,20 @@
     </p:spTree>
     <p:extLst>
       <p:ext uri="{BB962C8B-B14F-4D97-AF65-F5344CB8AC3E}">
-        <p14:creationId xmlns:p14="http://schemas.microsoft.com/office/powerpoint/2010/main" val="2279857525"/>
+        <p14:creationId xmlns:p14="http://schemas.microsoft.com/office/powerpoint/2010/main" val="1413696738"/>
       </p:ext>
     </p:extLst>
   </p:cSld>
   <p:clrMapOvr>
     <a:masterClrMapping/>
   </p:clrMapOvr>
+  <p:timing>
+    <p:tnLst>
+      <p:par>
+        <p:cTn id="1" dur="indefinite" restart="never" nodeType="tmRoot"/>
+      </p:par>
+    </p:tnLst>
+  </p:timing>
 </p:sld>
 </file>
 
@@ -4522,27 +6290,58 @@
           <a:p>
             <a:r>
               <a:rPr lang="pt-BR" dirty="0" smtClean="0"/>
+              <a:t>Ferramentas</a:t>
+            </a:r>
+            <a:endParaRPr lang="en-US" dirty="0"/>
+          </a:p>
+        </p:txBody>
+      </p:sp>
+      <p:sp>
+        <p:nvSpPr>
+          <p:cNvPr id="3" name="Content Placeholder 2"/>
+          <p:cNvSpPr>
+            <a:spLocks noGrp="1"/>
+          </p:cNvSpPr>
+          <p:nvPr>
+            <p:ph idx="1"/>
+          </p:nvPr>
+        </p:nvSpPr>
+        <p:spPr/>
+        <p:txBody>
+          <a:bodyPr/>
+          <a:lstStyle/>
+          <a:p>
+            <a:r>
+              <a:rPr lang="pt-BR" dirty="0" smtClean="0"/>
               <a:t>Kubernetes</a:t>
             </a:r>
-            <a:endParaRPr lang="en-US" dirty="0"/>
-          </a:p>
-        </p:txBody>
-      </p:sp>
-      <p:sp>
-        <p:nvSpPr>
-          <p:cNvPr id="3" name="Content Placeholder 2"/>
-          <p:cNvSpPr>
-            <a:spLocks noGrp="1"/>
-          </p:cNvSpPr>
-          <p:nvPr>
-            <p:ph idx="1"/>
-          </p:nvPr>
-        </p:nvSpPr>
-        <p:spPr/>
-        <p:txBody>
-          <a:bodyPr/>
-          <a:lstStyle/>
-          <a:p>
+          </a:p>
+          <a:p>
+            <a:r>
+              <a:rPr lang="pt-BR" dirty="0" smtClean="0"/>
+              <a:t>Openshift</a:t>
+            </a:r>
+          </a:p>
+          <a:p>
+            <a:r>
+              <a:rPr lang="pt-BR" dirty="0"/>
+              <a:t>Docker Hub</a:t>
+            </a:r>
+            <a:endParaRPr lang="pt-BR" dirty="0" smtClean="0"/>
+          </a:p>
+          <a:p>
+            <a:r>
+              <a:rPr lang="pt-BR" dirty="0" smtClean="0"/>
+              <a:t>Kitematic</a:t>
+            </a:r>
+          </a:p>
+          <a:p>
+            <a:endParaRPr lang="pt-BR" dirty="0" smtClean="0"/>
+          </a:p>
+          <a:p>
+            <a:pPr marL="0" indent="0">
+              <a:buNone/>
+            </a:pPr>
             <a:endParaRPr lang="en-US" dirty="0"/>
           </a:p>
         </p:txBody>
@@ -4550,7 +6349,7 @@
     </p:spTree>
     <p:extLst>
       <p:ext uri="{BB962C8B-B14F-4D97-AF65-F5344CB8AC3E}">
-        <p14:creationId xmlns:p14="http://schemas.microsoft.com/office/powerpoint/2010/main" val="1046053876"/>
+        <p14:creationId xmlns:p14="http://schemas.microsoft.com/office/powerpoint/2010/main" val="2279857525"/>
       </p:ext>
     </p:extLst>
   </p:cSld>
@@ -4594,7 +6393,7 @@
           <a:p>
             <a:r>
               <a:rPr lang="pt-BR" dirty="0" smtClean="0"/>
-              <a:t>Openshift</a:t>
+              <a:t>Kubernetes</a:t>
             </a:r>
             <a:endParaRPr lang="en-US" dirty="0"/>
           </a:p>
@@ -4622,7 +6421,7 @@
     </p:spTree>
     <p:extLst>
       <p:ext uri="{BB962C8B-B14F-4D97-AF65-F5344CB8AC3E}">
-        <p14:creationId xmlns:p14="http://schemas.microsoft.com/office/powerpoint/2010/main" val="383327130"/>
+        <p14:creationId xmlns:p14="http://schemas.microsoft.com/office/powerpoint/2010/main" val="1046053876"/>
       </p:ext>
     </p:extLst>
   </p:cSld>
@@ -4917,6 +6716,267 @@
 </a:theme>
 </file>
 
+<file path=ppt/theme/theme2.xml><?xml version="1.0" encoding="utf-8"?>
+<a:theme xmlns:a="http://schemas.openxmlformats.org/drawingml/2006/main" name="Office Theme">
+  <a:themeElements>
+    <a:clrScheme name="Office">
+      <a:dk1>
+        <a:sysClr val="windowText" lastClr="000000"/>
+      </a:dk1>
+      <a:lt1>
+        <a:sysClr val="window" lastClr="FFFFFF"/>
+      </a:lt1>
+      <a:dk2>
+        <a:srgbClr val="44546A"/>
+      </a:dk2>
+      <a:lt2>
+        <a:srgbClr val="E7E6E6"/>
+      </a:lt2>
+      <a:accent1>
+        <a:srgbClr val="5B9BD5"/>
+      </a:accent1>
+      <a:accent2>
+        <a:srgbClr val="ED7D31"/>
+      </a:accent2>
+      <a:accent3>
+        <a:srgbClr val="A5A5A5"/>
+      </a:accent3>
+      <a:accent4>
+        <a:srgbClr val="FFC000"/>
+      </a:accent4>
+      <a:accent5>
+        <a:srgbClr val="4472C4"/>
+      </a:accent5>
+      <a:accent6>
+        <a:srgbClr val="70AD47"/>
+      </a:accent6>
+      <a:hlink>
+        <a:srgbClr val="0563C1"/>
+      </a:hlink>
+      <a:folHlink>
+        <a:srgbClr val="954F72"/>
+      </a:folHlink>
+    </a:clrScheme>
+    <a:fontScheme name="Office">
+      <a:majorFont>
+        <a:latin typeface="Calibri Light" panose="020F0302020204030204"/>
+        <a:ea typeface=""/>
+        <a:cs typeface=""/>
+        <a:font script="Jpan" typeface="游ゴシック Light"/>
+        <a:font script="Hang" typeface="맑은 고딕"/>
+        <a:font script="Hans" typeface="等线 Light"/>
+        <a:font script="Hant" typeface="新細明體"/>
+        <a:font script="Arab" typeface="Times New Roman"/>
+        <a:font script="Hebr" typeface="Times New Roman"/>
+        <a:font script="Thai" typeface="Angsana New"/>
+        <a:font script="Ethi" typeface="Nyala"/>
+        <a:font script="Beng" typeface="Vrinda"/>
+        <a:font script="Gujr" typeface="Shruti"/>
+        <a:font script="Khmr" typeface="MoolBoran"/>
+        <a:font script="Knda" typeface="Tunga"/>
+        <a:font script="Guru" typeface="Raavi"/>
+        <a:font script="Cans" typeface="Euphemia"/>
+        <a:font script="Cher" typeface="Plantagenet Cherokee"/>
+        <a:font script="Yiii" typeface="Microsoft Yi Baiti"/>
+        <a:font script="Tibt" typeface="Microsoft Himalaya"/>
+        <a:font script="Thaa" typeface="MV Boli"/>
+        <a:font script="Deva" typeface="Mangal"/>
+        <a:font script="Telu" typeface="Gautami"/>
+        <a:font script="Taml" typeface="Latha"/>
+        <a:font script="Syrc" typeface="Estrangelo Edessa"/>
+        <a:font script="Orya" typeface="Kalinga"/>
+        <a:font script="Mlym" typeface="Kartika"/>
+        <a:font script="Laoo" typeface="DokChampa"/>
+        <a:font script="Sinh" typeface="Iskoola Pota"/>
+        <a:font script="Mong" typeface="Mongolian Baiti"/>
+        <a:font script="Viet" typeface="Times New Roman"/>
+        <a:font script="Uigh" typeface="Microsoft Uighur"/>
+        <a:font script="Geor" typeface="Sylfaen"/>
+      </a:majorFont>
+      <a:minorFont>
+        <a:latin typeface="Calibri" panose="020F0502020204030204"/>
+        <a:ea typeface=""/>
+        <a:cs typeface=""/>
+        <a:font script="Jpan" typeface="游ゴシック"/>
+        <a:font script="Hang" typeface="맑은 고딕"/>
+        <a:font script="Hans" typeface="等线"/>
+        <a:font script="Hant" typeface="新細明體"/>
+        <a:font script="Arab" typeface="Arial"/>
+        <a:font script="Hebr" typeface="Arial"/>
+        <a:font script="Thai" typeface="Cordia New"/>
+        <a:font script="Ethi" typeface="Nyala"/>
+        <a:font script="Beng" typeface="Vrinda"/>
+        <a:font script="Gujr" typeface="Shruti"/>
+        <a:font script="Khmr" typeface="DaunPenh"/>
+        <a:font script="Knda" typeface="Tunga"/>
+        <a:font script="Guru" typeface="Raavi"/>
+        <a:font script="Cans" typeface="Euphemia"/>
+        <a:font script="Cher" typeface="Plantagenet Cherokee"/>
+        <a:font script="Yiii" typeface="Microsoft Yi Baiti"/>
+        <a:font script="Tibt" typeface="Microsoft Himalaya"/>
+        <a:font script="Thaa" typeface="MV Boli"/>
+        <a:font script="Deva" typeface="Mangal"/>
+        <a:font script="Telu" typeface="Gautami"/>
+        <a:font script="Taml" typeface="Latha"/>
+        <a:font script="Syrc" typeface="Estrangelo Edessa"/>
+        <a:font script="Orya" typeface="Kalinga"/>
+        <a:font script="Mlym" typeface="Kartika"/>
+        <a:font script="Laoo" typeface="DokChampa"/>
+        <a:font script="Sinh" typeface="Iskoola Pota"/>
+        <a:font script="Mong" typeface="Mongolian Baiti"/>
+        <a:font script="Viet" typeface="Arial"/>
+        <a:font script="Uigh" typeface="Microsoft Uighur"/>
+        <a:font script="Geor" typeface="Sylfaen"/>
+      </a:minorFont>
+    </a:fontScheme>
+    <a:fmtScheme name="Office">
+      <a:fillStyleLst>
+        <a:solidFill>
+          <a:schemeClr val="phClr"/>
+        </a:solidFill>
+        <a:gradFill rotWithShape="1">
+          <a:gsLst>
+            <a:gs pos="0">
+              <a:schemeClr val="phClr">
+                <a:lumMod val="110000"/>
+                <a:satMod val="105000"/>
+                <a:tint val="67000"/>
+              </a:schemeClr>
+            </a:gs>
+            <a:gs pos="50000">
+              <a:schemeClr val="phClr">
+                <a:lumMod val="105000"/>
+                <a:satMod val="103000"/>
+                <a:tint val="73000"/>
+              </a:schemeClr>
+            </a:gs>
+            <a:gs pos="100000">
+              <a:schemeClr val="phClr">
+                <a:lumMod val="105000"/>
+                <a:satMod val="109000"/>
+                <a:tint val="81000"/>
+              </a:schemeClr>
+            </a:gs>
+          </a:gsLst>
+          <a:lin ang="5400000" scaled="0"/>
+        </a:gradFill>
+        <a:gradFill rotWithShape="1">
+          <a:gsLst>
+            <a:gs pos="0">
+              <a:schemeClr val="phClr">
+                <a:satMod val="103000"/>
+                <a:lumMod val="102000"/>
+                <a:tint val="94000"/>
+              </a:schemeClr>
+            </a:gs>
+            <a:gs pos="50000">
+              <a:schemeClr val="phClr">
+                <a:satMod val="110000"/>
+                <a:lumMod val="100000"/>
+                <a:shade val="100000"/>
+              </a:schemeClr>
+            </a:gs>
+            <a:gs pos="100000">
+              <a:schemeClr val="phClr">
+                <a:lumMod val="99000"/>
+                <a:satMod val="120000"/>
+                <a:shade val="78000"/>
+              </a:schemeClr>
+            </a:gs>
+          </a:gsLst>
+          <a:lin ang="5400000" scaled="0"/>
+        </a:gradFill>
+      </a:fillStyleLst>
+      <a:lnStyleLst>
+        <a:ln w="6350" cap="flat" cmpd="sng" algn="ctr">
+          <a:solidFill>
+            <a:schemeClr val="phClr"/>
+          </a:solidFill>
+          <a:prstDash val="solid"/>
+          <a:miter lim="800000"/>
+        </a:ln>
+        <a:ln w="12700" cap="flat" cmpd="sng" algn="ctr">
+          <a:solidFill>
+            <a:schemeClr val="phClr"/>
+          </a:solidFill>
+          <a:prstDash val="solid"/>
+          <a:miter lim="800000"/>
+        </a:ln>
+        <a:ln w="19050" cap="flat" cmpd="sng" algn="ctr">
+          <a:solidFill>
+            <a:schemeClr val="phClr"/>
+          </a:solidFill>
+          <a:prstDash val="solid"/>
+          <a:miter lim="800000"/>
+        </a:ln>
+      </a:lnStyleLst>
+      <a:effectStyleLst>
+        <a:effectStyle>
+          <a:effectLst/>
+        </a:effectStyle>
+        <a:effectStyle>
+          <a:effectLst/>
+        </a:effectStyle>
+        <a:effectStyle>
+          <a:effectLst>
+            <a:outerShdw blurRad="57150" dist="19050" dir="5400000" algn="ctr" rotWithShape="0">
+              <a:srgbClr val="000000">
+                <a:alpha val="63000"/>
+              </a:srgbClr>
+            </a:outerShdw>
+          </a:effectLst>
+        </a:effectStyle>
+      </a:effectStyleLst>
+      <a:bgFillStyleLst>
+        <a:solidFill>
+          <a:schemeClr val="phClr"/>
+        </a:solidFill>
+        <a:solidFill>
+          <a:schemeClr val="phClr">
+            <a:tint val="95000"/>
+            <a:satMod val="170000"/>
+          </a:schemeClr>
+        </a:solidFill>
+        <a:gradFill rotWithShape="1">
+          <a:gsLst>
+            <a:gs pos="0">
+              <a:schemeClr val="phClr">
+                <a:tint val="93000"/>
+                <a:satMod val="150000"/>
+                <a:shade val="98000"/>
+                <a:lumMod val="102000"/>
+              </a:schemeClr>
+            </a:gs>
+            <a:gs pos="50000">
+              <a:schemeClr val="phClr">
+                <a:tint val="98000"/>
+                <a:satMod val="130000"/>
+                <a:shade val="90000"/>
+                <a:lumMod val="103000"/>
+              </a:schemeClr>
+            </a:gs>
+            <a:gs pos="100000">
+              <a:schemeClr val="phClr">
+                <a:shade val="63000"/>
+                <a:satMod val="120000"/>
+              </a:schemeClr>
+            </a:gs>
+          </a:gsLst>
+          <a:lin ang="5400000" scaled="0"/>
+        </a:gradFill>
+      </a:bgFillStyleLst>
+    </a:fmtScheme>
+  </a:themeElements>
+  <a:objectDefaults/>
+  <a:extraClrSchemeLst/>
+  <a:extLst>
+    <a:ext uri="{05A4C25C-085E-4340-85A3-A5531E510DB2}">
+      <thm15:themeFamily xmlns:thm15="http://schemas.microsoft.com/office/thememl/2012/main" name="Office Theme" id="{62F939B6-93AF-4DB8-9C6B-D6C7DFDC589F}" vid="{4A3C46E8-61CC-4603-A589-7422A47A8E4A}"/>
+    </a:ext>
+  </a:extLst>
+</a:theme>
+</file>
+
 <file path=customUI/customUI.xml><?xml version="1.0" encoding="utf-8"?>
 <customUI xmlns="http://schemas.microsoft.com/office/2006/01/customui">
   <ribbon>
